--- a/idea_ch.pptx
+++ b/idea_ch.pptx
@@ -259,7 +259,7 @@
           <a:p>
             <a:fld id="{E285B31C-AA9C-4047-994F-30DECD687B70}" type="datetimeFigureOut">
               <a:rPr lang="zh-CN" altLang="en-US" smtClean="0"/>
-              <a:t>2019/11/24</a:t>
+              <a:t>2019/12/18</a:t>
             </a:fld>
             <a:endParaRPr lang="zh-CN" altLang="en-US"/>
           </a:p>
@@ -457,7 +457,7 @@
           <a:p>
             <a:fld id="{E285B31C-AA9C-4047-994F-30DECD687B70}" type="datetimeFigureOut">
               <a:rPr lang="zh-CN" altLang="en-US" smtClean="0"/>
-              <a:t>2019/11/24</a:t>
+              <a:t>2019/12/18</a:t>
             </a:fld>
             <a:endParaRPr lang="zh-CN" altLang="en-US"/>
           </a:p>
@@ -665,7 +665,7 @@
           <a:p>
             <a:fld id="{E285B31C-AA9C-4047-994F-30DECD687B70}" type="datetimeFigureOut">
               <a:rPr lang="zh-CN" altLang="en-US" smtClean="0"/>
-              <a:t>2019/11/24</a:t>
+              <a:t>2019/12/18</a:t>
             </a:fld>
             <a:endParaRPr lang="zh-CN" altLang="en-US"/>
           </a:p>
@@ -863,7 +863,7 @@
           <a:p>
             <a:fld id="{E285B31C-AA9C-4047-994F-30DECD687B70}" type="datetimeFigureOut">
               <a:rPr lang="zh-CN" altLang="en-US" smtClean="0"/>
-              <a:t>2019/11/24</a:t>
+              <a:t>2019/12/18</a:t>
             </a:fld>
             <a:endParaRPr lang="zh-CN" altLang="en-US"/>
           </a:p>
@@ -1138,7 +1138,7 @@
           <a:p>
             <a:fld id="{E285B31C-AA9C-4047-994F-30DECD687B70}" type="datetimeFigureOut">
               <a:rPr lang="zh-CN" altLang="en-US" smtClean="0"/>
-              <a:t>2019/11/24</a:t>
+              <a:t>2019/12/18</a:t>
             </a:fld>
             <a:endParaRPr lang="zh-CN" altLang="en-US"/>
           </a:p>
@@ -1403,7 +1403,7 @@
           <a:p>
             <a:fld id="{E285B31C-AA9C-4047-994F-30DECD687B70}" type="datetimeFigureOut">
               <a:rPr lang="zh-CN" altLang="en-US" smtClean="0"/>
-              <a:t>2019/11/24</a:t>
+              <a:t>2019/12/18</a:t>
             </a:fld>
             <a:endParaRPr lang="zh-CN" altLang="en-US"/>
           </a:p>
@@ -1815,7 +1815,7 @@
           <a:p>
             <a:fld id="{E285B31C-AA9C-4047-994F-30DECD687B70}" type="datetimeFigureOut">
               <a:rPr lang="zh-CN" altLang="en-US" smtClean="0"/>
-              <a:t>2019/11/24</a:t>
+              <a:t>2019/12/18</a:t>
             </a:fld>
             <a:endParaRPr lang="zh-CN" altLang="en-US"/>
           </a:p>
@@ -1956,7 +1956,7 @@
           <a:p>
             <a:fld id="{E285B31C-AA9C-4047-994F-30DECD687B70}" type="datetimeFigureOut">
               <a:rPr lang="zh-CN" altLang="en-US" smtClean="0"/>
-              <a:t>2019/11/24</a:t>
+              <a:t>2019/12/18</a:t>
             </a:fld>
             <a:endParaRPr lang="zh-CN" altLang="en-US"/>
           </a:p>
@@ -2069,7 +2069,7 @@
           <a:p>
             <a:fld id="{E285B31C-AA9C-4047-994F-30DECD687B70}" type="datetimeFigureOut">
               <a:rPr lang="zh-CN" altLang="en-US" smtClean="0"/>
-              <a:t>2019/11/24</a:t>
+              <a:t>2019/12/18</a:t>
             </a:fld>
             <a:endParaRPr lang="zh-CN" altLang="en-US"/>
           </a:p>
@@ -2380,7 +2380,7 @@
           <a:p>
             <a:fld id="{E285B31C-AA9C-4047-994F-30DECD687B70}" type="datetimeFigureOut">
               <a:rPr lang="zh-CN" altLang="en-US" smtClean="0"/>
-              <a:t>2019/11/24</a:t>
+              <a:t>2019/12/18</a:t>
             </a:fld>
             <a:endParaRPr lang="zh-CN" altLang="en-US"/>
           </a:p>
@@ -2668,7 +2668,7 @@
           <a:p>
             <a:fld id="{E285B31C-AA9C-4047-994F-30DECD687B70}" type="datetimeFigureOut">
               <a:rPr lang="zh-CN" altLang="en-US" smtClean="0"/>
-              <a:t>2019/11/24</a:t>
+              <a:t>2019/12/18</a:t>
             </a:fld>
             <a:endParaRPr lang="zh-CN" altLang="en-US"/>
           </a:p>
@@ -2909,7 +2909,7 @@
           <a:p>
             <a:fld id="{E285B31C-AA9C-4047-994F-30DECD687B70}" type="datetimeFigureOut">
               <a:rPr lang="zh-CN" altLang="en-US" smtClean="0"/>
-              <a:t>2019/11/24</a:t>
+              <a:t>2019/12/18</a:t>
             </a:fld>
             <a:endParaRPr lang="zh-CN" altLang="en-US"/>
           </a:p>
@@ -3575,8 +3575,8 @@
         </p:nvSpPr>
         <p:spPr>
           <a:xfrm>
-            <a:off x="1117555" y="993554"/>
-            <a:ext cx="1340690" cy="584200"/>
+            <a:off x="1125175" y="928813"/>
+            <a:ext cx="1340690" cy="708467"/>
           </a:xfrm>
           <a:prstGeom prst="roundRect">
             <a:avLst/>
@@ -3620,7 +3620,7 @@
             </a:r>
             <a:r>
               <a:rPr lang="zh-CN" altLang="en-US" sz="1000" dirty="0"/>
-              <a:t>广播本机</a:t>
+              <a:t>在局域网内广播关键字及本机</a:t>
             </a:r>
             <a:r>
               <a:rPr lang="en-US" altLang="zh-CN" sz="1000" dirty="0"/>
@@ -3891,8 +3891,8 @@
         </p:nvSpPr>
         <p:spPr>
           <a:xfrm>
-            <a:off x="3628041" y="3203885"/>
-            <a:ext cx="774797" cy="369332"/>
+            <a:off x="3516992" y="3203885"/>
+            <a:ext cx="885847" cy="285750"/>
           </a:xfrm>
           <a:prstGeom prst="roundRect">
             <a:avLst/>
@@ -3920,15 +3920,8 @@
           <a:p>
             <a:pPr algn="ctr"/>
             <a:r>
-              <a:rPr lang="en-US" altLang="zh-CN" sz="1000" dirty="0"/>
-              <a:t>Thread2.2: </a:t>
-            </a:r>
-          </a:p>
-          <a:p>
-            <a:pPr algn="ctr"/>
-            <a:r>
               <a:rPr lang="zh-CN" altLang="en-US" sz="1000" dirty="0"/>
-              <a:t>上传</a:t>
+              <a:t>从客户端单个接收文件</a:t>
             </a:r>
           </a:p>
         </p:txBody>
@@ -3977,7 +3970,7 @@
             <a:pPr algn="ctr"/>
             <a:r>
               <a:rPr lang="zh-CN" altLang="en-US" sz="1000" dirty="0"/>
-              <a:t>请求类型</a:t>
+              <a:t>同步类型</a:t>
             </a:r>
           </a:p>
         </p:txBody>
@@ -3997,7 +3990,7 @@
         <p:spPr>
           <a:xfrm>
             <a:off x="4510256" y="3203885"/>
-            <a:ext cx="774797" cy="369332"/>
+            <a:ext cx="1013426" cy="285748"/>
           </a:xfrm>
           <a:prstGeom prst="roundRect">
             <a:avLst/>
@@ -4025,127 +4018,8 @@
           <a:p>
             <a:pPr algn="ctr"/>
             <a:r>
-              <a:rPr lang="en-US" altLang="zh-CN" sz="1000" dirty="0"/>
-              <a:t>Thread2.3: </a:t>
-            </a:r>
-          </a:p>
-          <a:p>
-            <a:pPr algn="ctr"/>
-            <a:r>
               <a:rPr lang="zh-CN" altLang="en-US" sz="1000" dirty="0"/>
-              <a:t>同步</a:t>
-            </a:r>
-          </a:p>
-        </p:txBody>
-      </p:sp>
-      <p:sp>
-        <p:nvSpPr>
-          <p:cNvPr id="41" name="矩形: 圆角 40">
-            <a:extLst>
-              <a:ext uri="{FF2B5EF4-FFF2-40B4-BE49-F238E27FC236}">
-                <a16:creationId xmlns:a16="http://schemas.microsoft.com/office/drawing/2014/main" id="{47F03AF5-804F-435F-8568-497F0F711109}"/>
-              </a:ext>
-            </a:extLst>
-          </p:cNvPr>
-          <p:cNvSpPr/>
-          <p:nvPr/>
-        </p:nvSpPr>
-        <p:spPr>
-          <a:xfrm>
-            <a:off x="5399176" y="3203885"/>
-            <a:ext cx="774797" cy="369332"/>
-          </a:xfrm>
-          <a:prstGeom prst="roundRect">
-            <a:avLst/>
-          </a:prstGeom>
-        </p:spPr>
-        <p:style>
-          <a:lnRef idx="2">
-            <a:schemeClr val="accent1">
-              <a:shade val="50000"/>
-            </a:schemeClr>
-          </a:lnRef>
-          <a:fillRef idx="1">
-            <a:schemeClr val="accent1"/>
-          </a:fillRef>
-          <a:effectRef idx="0">
-            <a:schemeClr val="accent1"/>
-          </a:effectRef>
-          <a:fontRef idx="minor">
-            <a:schemeClr val="lt1"/>
-          </a:fontRef>
-        </p:style>
-        <p:txBody>
-          <a:bodyPr rtlCol="0" anchor="ctr"/>
-          <a:lstStyle/>
-          <a:p>
-            <a:pPr algn="ctr"/>
-            <a:r>
-              <a:rPr lang="en-US" altLang="zh-CN" sz="1000" dirty="0"/>
-              <a:t>Thread2.4: </a:t>
-            </a:r>
-          </a:p>
-          <a:p>
-            <a:pPr algn="ctr"/>
-            <a:r>
-              <a:rPr lang="zh-CN" altLang="en-US" sz="1000" dirty="0"/>
-              <a:t>*删除</a:t>
-            </a:r>
-          </a:p>
-        </p:txBody>
-      </p:sp>
-      <p:sp>
-        <p:nvSpPr>
-          <p:cNvPr id="42" name="矩形: 圆角 41">
-            <a:extLst>
-              <a:ext uri="{FF2B5EF4-FFF2-40B4-BE49-F238E27FC236}">
-                <a16:creationId xmlns:a16="http://schemas.microsoft.com/office/drawing/2014/main" id="{9DE61663-00F8-46E4-A902-8C9B379B8471}"/>
-              </a:ext>
-            </a:extLst>
-          </p:cNvPr>
-          <p:cNvSpPr/>
-          <p:nvPr/>
-        </p:nvSpPr>
-        <p:spPr>
-          <a:xfrm>
-            <a:off x="2507420" y="3203885"/>
-            <a:ext cx="1006498" cy="369332"/>
-          </a:xfrm>
-          <a:prstGeom prst="roundRect">
-            <a:avLst/>
-          </a:prstGeom>
-        </p:spPr>
-        <p:style>
-          <a:lnRef idx="2">
-            <a:schemeClr val="accent1">
-              <a:shade val="50000"/>
-            </a:schemeClr>
-          </a:lnRef>
-          <a:fillRef idx="1">
-            <a:schemeClr val="accent1"/>
-          </a:fillRef>
-          <a:effectRef idx="0">
-            <a:schemeClr val="accent1"/>
-          </a:effectRef>
-          <a:fontRef idx="minor">
-            <a:schemeClr val="lt1"/>
-          </a:fontRef>
-        </p:style>
-        <p:txBody>
-          <a:bodyPr rtlCol="0" anchor="ctr"/>
-          <a:lstStyle/>
-          <a:p>
-            <a:pPr algn="ctr"/>
-            <a:r>
-              <a:rPr lang="en-US" altLang="zh-CN" sz="1000" dirty="0"/>
-              <a:t>Thread2.1: </a:t>
-            </a:r>
-          </a:p>
-          <a:p>
-            <a:pPr algn="ctr"/>
-            <a:r>
-              <a:rPr lang="zh-CN" altLang="en-US" sz="1000" dirty="0"/>
-              <a:t>获取文件列表</a:t>
+              <a:t>从客户端同步整个文件夹</a:t>
             </a:r>
           </a:p>
         </p:txBody>
@@ -4194,66 +4068,24 @@
       </p:cxnSp>
       <p:cxnSp>
         <p:nvCxnSpPr>
-          <p:cNvPr id="47" name="连接符: 肘形 46">
-            <a:extLst>
-              <a:ext uri="{FF2B5EF4-FFF2-40B4-BE49-F238E27FC236}">
-                <a16:creationId xmlns:a16="http://schemas.microsoft.com/office/drawing/2014/main" id="{185C840C-2AD0-4748-963A-F3DC6E8B95E4}"/>
+          <p:cNvPr id="50" name="连接符: 肘形 49">
+            <a:extLst>
+              <a:ext uri="{FF2B5EF4-FFF2-40B4-BE49-F238E27FC236}">
+                <a16:creationId xmlns:a16="http://schemas.microsoft.com/office/drawing/2014/main" id="{F7F451A6-1360-4333-975E-6A4CD3934519}"/>
               </a:ext>
             </a:extLst>
           </p:cNvPr>
           <p:cNvCxnSpPr>
             <a:cxnSpLocks/>
             <a:stCxn id="39" idx="2"/>
-            <a:endCxn id="42" idx="0"/>
-          </p:cNvCxnSpPr>
-          <p:nvPr/>
-        </p:nvCxnSpPr>
-        <p:spPr>
-          <a:xfrm rot="5400000">
-            <a:off x="3573678" y="2343458"/>
-            <a:ext cx="297418" cy="1423436"/>
-          </a:xfrm>
-          <a:prstGeom prst="bentConnector3">
-            <a:avLst/>
-          </a:prstGeom>
-          <a:ln>
-            <a:tailEnd type="triangle"/>
-          </a:ln>
-        </p:spPr>
-        <p:style>
-          <a:lnRef idx="1">
-            <a:schemeClr val="accent1"/>
-          </a:lnRef>
-          <a:fillRef idx="0">
-            <a:schemeClr val="accent1"/>
-          </a:fillRef>
-          <a:effectRef idx="0">
-            <a:schemeClr val="accent1"/>
-          </a:effectRef>
-          <a:fontRef idx="minor">
-            <a:schemeClr val="tx1"/>
-          </a:fontRef>
-        </p:style>
-      </p:cxnSp>
-      <p:cxnSp>
-        <p:nvCxnSpPr>
-          <p:cNvPr id="50" name="连接符: 肘形 49">
-            <a:extLst>
-              <a:ext uri="{FF2B5EF4-FFF2-40B4-BE49-F238E27FC236}">
-                <a16:creationId xmlns:a16="http://schemas.microsoft.com/office/drawing/2014/main" id="{F7F451A6-1360-4333-975E-6A4CD3934519}"/>
-              </a:ext>
-            </a:extLst>
-          </p:cNvPr>
-          <p:cNvCxnSpPr>
-            <a:stCxn id="39" idx="2"/>
             <a:endCxn id="36" idx="0"/>
           </p:cNvCxnSpPr>
           <p:nvPr/>
         </p:nvCxnSpPr>
         <p:spPr>
           <a:xfrm rot="5400000">
-            <a:off x="4076064" y="2845844"/>
-            <a:ext cx="297418" cy="418665"/>
+            <a:off x="4048302" y="2818082"/>
+            <a:ext cx="297418" cy="474189"/>
           </a:xfrm>
           <a:prstGeom prst="bentConnector3">
             <a:avLst/>
@@ -4287,6 +4119,7 @@
             </a:extLst>
           </p:cNvPr>
           <p:cNvCxnSpPr>
+            <a:cxnSpLocks/>
             <a:stCxn id="39" idx="2"/>
             <a:endCxn id="40" idx="0"/>
           </p:cNvCxnSpPr>
@@ -4294,50 +4127,8 @@
         </p:nvCxnSpPr>
         <p:spPr>
           <a:xfrm rot="16200000" flipH="1">
-            <a:off x="4517171" y="2823401"/>
-            <a:ext cx="297418" cy="463550"/>
-          </a:xfrm>
-          <a:prstGeom prst="bentConnector3">
-            <a:avLst/>
-          </a:prstGeom>
-          <a:ln>
-            <a:tailEnd type="triangle"/>
-          </a:ln>
-        </p:spPr>
-        <p:style>
-          <a:lnRef idx="1">
-            <a:schemeClr val="accent1"/>
-          </a:lnRef>
-          <a:fillRef idx="0">
-            <a:schemeClr val="accent1"/>
-          </a:fillRef>
-          <a:effectRef idx="0">
-            <a:schemeClr val="accent1"/>
-          </a:effectRef>
-          <a:fontRef idx="minor">
-            <a:schemeClr val="tx1"/>
-          </a:fontRef>
-        </p:style>
-      </p:cxnSp>
-      <p:cxnSp>
-        <p:nvCxnSpPr>
-          <p:cNvPr id="54" name="连接符: 肘形 53">
-            <a:extLst>
-              <a:ext uri="{FF2B5EF4-FFF2-40B4-BE49-F238E27FC236}">
-                <a16:creationId xmlns:a16="http://schemas.microsoft.com/office/drawing/2014/main" id="{67525B50-617F-44FA-B330-3DDD3F0FCAD6}"/>
-              </a:ext>
-            </a:extLst>
-          </p:cNvPr>
-          <p:cNvCxnSpPr>
-            <a:stCxn id="39" idx="2"/>
-            <a:endCxn id="41" idx="0"/>
-          </p:cNvCxnSpPr>
-          <p:nvPr/>
-        </p:nvCxnSpPr>
-        <p:spPr>
-          <a:xfrm rot="16200000" flipH="1">
-            <a:off x="4961631" y="2378941"/>
-            <a:ext cx="297418" cy="1352470"/>
+            <a:off x="4576828" y="2763744"/>
+            <a:ext cx="297418" cy="582864"/>
           </a:xfrm>
           <a:prstGeom prst="bentConnector3">
             <a:avLst/>
@@ -5000,7 +4791,7 @@
         </p:nvSpPr>
         <p:spPr>
           <a:xfrm>
-            <a:off x="4715213" y="5578117"/>
+            <a:off x="4144711" y="5628083"/>
             <a:ext cx="731090" cy="285750"/>
           </a:xfrm>
           <a:prstGeom prst="rect">
@@ -5042,24 +4833,24 @@
       </p:sp>
       <p:cxnSp>
         <p:nvCxnSpPr>
-          <p:cNvPr id="155" name="连接符: 肘形 154">
-            <a:extLst>
-              <a:ext uri="{FF2B5EF4-FFF2-40B4-BE49-F238E27FC236}">
-                <a16:creationId xmlns:a16="http://schemas.microsoft.com/office/drawing/2014/main" id="{9666DC92-5204-4478-9031-4EC451C69E7F}"/>
+          <p:cNvPr id="157" name="连接符: 肘形 156">
+            <a:extLst>
+              <a:ext uri="{FF2B5EF4-FFF2-40B4-BE49-F238E27FC236}">
+                <a16:creationId xmlns:a16="http://schemas.microsoft.com/office/drawing/2014/main" id="{1D273203-51FE-4372-8818-7468A339F1DA}"/>
               </a:ext>
             </a:extLst>
           </p:cNvPr>
           <p:cNvCxnSpPr>
             <a:cxnSpLocks/>
-            <a:stCxn id="42" idx="2"/>
-            <a:endCxn id="131" idx="0"/>
+            <a:stCxn id="36" idx="2"/>
+            <a:endCxn id="139" idx="0"/>
           </p:cNvCxnSpPr>
           <p:nvPr/>
         </p:nvCxnSpPr>
         <p:spPr>
           <a:xfrm rot="16200000" flipH="1">
-            <a:off x="3043263" y="3540622"/>
-            <a:ext cx="2004900" cy="2070089"/>
+            <a:off x="3317132" y="4132418"/>
+            <a:ext cx="1294164" cy="8597"/>
           </a:xfrm>
           <a:prstGeom prst="bentConnector3">
             <a:avLst>
@@ -5087,51 +4878,6 @@
       </p:cxnSp>
       <p:cxnSp>
         <p:nvCxnSpPr>
-          <p:cNvPr id="157" name="连接符: 肘形 156">
-            <a:extLst>
-              <a:ext uri="{FF2B5EF4-FFF2-40B4-BE49-F238E27FC236}">
-                <a16:creationId xmlns:a16="http://schemas.microsoft.com/office/drawing/2014/main" id="{1D273203-51FE-4372-8818-7468A339F1DA}"/>
-              </a:ext>
-            </a:extLst>
-          </p:cNvPr>
-          <p:cNvCxnSpPr>
-            <a:cxnSpLocks/>
-            <a:stCxn id="36" idx="2"/>
-            <a:endCxn id="131" idx="0"/>
-          </p:cNvCxnSpPr>
-          <p:nvPr/>
-        </p:nvCxnSpPr>
-        <p:spPr>
-          <a:xfrm rot="16200000" flipH="1">
-            <a:off x="3545649" y="4043008"/>
-            <a:ext cx="2004900" cy="1065318"/>
-          </a:xfrm>
-          <a:prstGeom prst="bentConnector3">
-            <a:avLst>
-              <a:gd name="adj1" fmla="val 50000"/>
-            </a:avLst>
-          </a:prstGeom>
-          <a:ln>
-            <a:prstDash val="dash"/>
-          </a:ln>
-        </p:spPr>
-        <p:style>
-          <a:lnRef idx="1">
-            <a:schemeClr val="accent1"/>
-          </a:lnRef>
-          <a:fillRef idx="0">
-            <a:schemeClr val="accent1"/>
-          </a:fillRef>
-          <a:effectRef idx="0">
-            <a:schemeClr val="accent1"/>
-          </a:effectRef>
-          <a:fontRef idx="minor">
-            <a:schemeClr val="tx1"/>
-          </a:fontRef>
-        </p:style>
-      </p:cxnSp>
-      <p:cxnSp>
-        <p:nvCxnSpPr>
           <p:cNvPr id="159" name="连接符: 肘形 158">
             <a:extLst>
               <a:ext uri="{FF2B5EF4-FFF2-40B4-BE49-F238E27FC236}">
@@ -5142,59 +4888,14 @@
           <p:cNvCxnSpPr>
             <a:cxnSpLocks/>
             <a:stCxn id="40" idx="2"/>
-            <a:endCxn id="131" idx="0"/>
+            <a:endCxn id="140" idx="0"/>
           </p:cNvCxnSpPr>
           <p:nvPr/>
         </p:nvCxnSpPr>
         <p:spPr>
-          <a:xfrm rot="16200000" flipH="1">
-            <a:off x="3986756" y="4484115"/>
-            <a:ext cx="2004900" cy="183103"/>
-          </a:xfrm>
-          <a:prstGeom prst="bentConnector3">
-            <a:avLst>
-              <a:gd name="adj1" fmla="val 50000"/>
-            </a:avLst>
-          </a:prstGeom>
-          <a:ln>
-            <a:prstDash val="dash"/>
-          </a:ln>
-        </p:spPr>
-        <p:style>
-          <a:lnRef idx="1">
-            <a:schemeClr val="accent1"/>
-          </a:lnRef>
-          <a:fillRef idx="0">
-            <a:schemeClr val="accent1"/>
-          </a:fillRef>
-          <a:effectRef idx="0">
-            <a:schemeClr val="accent1"/>
-          </a:effectRef>
-          <a:fontRef idx="minor">
-            <a:schemeClr val="tx1"/>
-          </a:fontRef>
-        </p:style>
-      </p:cxnSp>
-      <p:cxnSp>
-        <p:nvCxnSpPr>
-          <p:cNvPr id="161" name="连接符: 肘形 160">
-            <a:extLst>
-              <a:ext uri="{FF2B5EF4-FFF2-40B4-BE49-F238E27FC236}">
-                <a16:creationId xmlns:a16="http://schemas.microsoft.com/office/drawing/2014/main" id="{3D260AF5-F896-434A-8572-020AB5CD083F}"/>
-              </a:ext>
-            </a:extLst>
-          </p:cNvPr>
-          <p:cNvCxnSpPr>
-            <a:cxnSpLocks/>
-            <a:stCxn id="41" idx="2"/>
-            <a:endCxn id="131" idx="0"/>
-          </p:cNvCxnSpPr>
-          <p:nvPr/>
-        </p:nvCxnSpPr>
-        <p:spPr>
           <a:xfrm rot="5400000">
-            <a:off x="4431217" y="4222759"/>
-            <a:ext cx="2004900" cy="705817"/>
+            <a:off x="4366845" y="4135851"/>
+            <a:ext cx="1296342" cy="3906"/>
           </a:xfrm>
           <a:prstGeom prst="bentConnector3">
             <a:avLst>
@@ -5638,8 +5339,8 @@
         </p:nvSpPr>
         <p:spPr>
           <a:xfrm>
-            <a:off x="6135572" y="5817000"/>
-            <a:ext cx="2146531" cy="232909"/>
+            <a:off x="6143638" y="5788332"/>
+            <a:ext cx="1607510" cy="232909"/>
           </a:xfrm>
           <a:prstGeom prst="roundRect">
             <a:avLst/>
@@ -5672,10 +5373,6 @@
           <a:p>
             <a:pPr algn="ctr"/>
             <a:r>
-              <a:rPr lang="en-US" altLang="zh-CN" sz="1000" dirty="0"/>
-              <a:t>Thread3: </a:t>
-            </a:r>
-            <a:r>
               <a:rPr lang="zh-CN" altLang="en-US" sz="1000" dirty="0"/>
               <a:t>监听用户请求（用户发出）</a:t>
             </a:r>
@@ -5700,8 +5397,8 @@
         </p:nvCxnSpPr>
         <p:spPr>
           <a:xfrm rot="10800000">
-            <a:off x="5446304" y="5720993"/>
-            <a:ext cx="689269" cy="212463"/>
+            <a:off x="4875802" y="5770959"/>
+            <a:ext cx="1267837" cy="133829"/>
           </a:xfrm>
           <a:prstGeom prst="bentConnector3">
             <a:avLst/>
@@ -6712,8 +6409,8 @@
         </p:nvSpPr>
         <p:spPr>
           <a:xfrm>
-            <a:off x="4927215" y="0"/>
-            <a:ext cx="1341736" cy="285750"/>
+            <a:off x="4940201" y="4194"/>
+            <a:ext cx="1597153" cy="285750"/>
           </a:xfrm>
           <a:prstGeom prst="rect">
             <a:avLst/>
@@ -6745,7 +6442,7 @@
             <a:pPr algn="ctr"/>
             <a:r>
               <a:rPr lang="zh-CN" altLang="en-US" sz="1000" dirty="0"/>
-              <a:t>使用二维码密钥交换</a:t>
+              <a:t>进行密钥及身份信息交换</a:t>
             </a:r>
           </a:p>
         </p:txBody>
@@ -6760,15 +6457,16 @@
             </a:extLst>
           </p:cNvPr>
           <p:cNvCxnSpPr>
+            <a:cxnSpLocks/>
             <a:stCxn id="81" idx="1"/>
             <a:endCxn id="205" idx="3"/>
           </p:cNvCxnSpPr>
           <p:nvPr/>
         </p:nvCxnSpPr>
         <p:spPr>
-          <a:xfrm rot="10800000">
-            <a:off x="6268951" y="142875"/>
-            <a:ext cx="1474156" cy="12700"/>
+          <a:xfrm rot="10800000" flipV="1">
+            <a:off x="6537355" y="142875"/>
+            <a:ext cx="1205753" cy="4194"/>
           </a:xfrm>
           <a:prstGeom prst="bentConnector3">
             <a:avLst/>
@@ -6806,8 +6504,8 @@
         </p:nvSpPr>
         <p:spPr>
           <a:xfrm>
-            <a:off x="3742547" y="1286636"/>
-            <a:ext cx="1341736" cy="285750"/>
+            <a:off x="3702740" y="1286636"/>
+            <a:ext cx="1417393" cy="285750"/>
           </a:xfrm>
           <a:prstGeom prst="rect">
             <a:avLst/>
@@ -6839,7 +6537,7 @@
             <a:pPr algn="ctr"/>
             <a:r>
               <a:rPr lang="zh-CN" altLang="en-US" sz="1000" dirty="0"/>
-              <a:t>双方进行身份验证</a:t>
+              <a:t>双方相互进行身份验证</a:t>
             </a:r>
           </a:p>
         </p:txBody>
@@ -6958,8 +6656,8 @@
         </p:nvCxnSpPr>
         <p:spPr>
           <a:xfrm rot="10800000">
-            <a:off x="5084284" y="1429511"/>
-            <a:ext cx="3084189" cy="3511854"/>
+            <a:off x="5120134" y="1429511"/>
+            <a:ext cx="3048339" cy="3511854"/>
           </a:xfrm>
           <a:prstGeom prst="bentConnector3">
             <a:avLst>
@@ -7182,6 +6880,7 @@
             </a:extLst>
           </p:cNvPr>
           <p:cNvCxnSpPr>
+            <a:cxnSpLocks/>
             <a:stCxn id="288" idx="3"/>
             <a:endCxn id="212" idx="1"/>
           </p:cNvCxnSpPr>
@@ -7190,7 +6889,7 @@
         <p:spPr>
           <a:xfrm flipV="1">
             <a:off x="2637876" y="1429511"/>
-            <a:ext cx="1104671" cy="1241690"/>
+            <a:ext cx="1064864" cy="1241690"/>
           </a:xfrm>
           <a:prstGeom prst="bentConnector3">
             <a:avLst/>
@@ -7224,6 +6923,7 @@
             </a:extLst>
           </p:cNvPr>
           <p:cNvCxnSpPr>
+            <a:cxnSpLocks/>
             <a:stCxn id="85" idx="3"/>
             <a:endCxn id="205" idx="1"/>
           </p:cNvCxnSpPr>
@@ -7232,7 +6932,7 @@
         <p:spPr>
           <a:xfrm>
             <a:off x="4313635" y="142874"/>
-            <a:ext cx="613580" cy="1"/>
+            <a:ext cx="626566" cy="4195"/>
           </a:xfrm>
           <a:prstGeom prst="straightConnector1">
             <a:avLst/>
@@ -7266,6 +6966,7 @@
             </a:extLst>
           </p:cNvPr>
           <p:cNvCxnSpPr>
+            <a:cxnSpLocks/>
             <a:stCxn id="212" idx="2"/>
             <a:endCxn id="18" idx="0"/>
           </p:cNvCxnSpPr>
@@ -7273,8 +6974,8 @@
         </p:nvCxnSpPr>
         <p:spPr>
           <a:xfrm>
-            <a:off x="4413415" y="1572386"/>
-            <a:ext cx="6777" cy="291948"/>
+            <a:off x="4411437" y="1572386"/>
+            <a:ext cx="8755" cy="291948"/>
           </a:xfrm>
           <a:prstGeom prst="straightConnector1">
             <a:avLst/>
@@ -7350,6 +7051,7 @@
             </a:extLst>
           </p:cNvPr>
           <p:cNvCxnSpPr>
+            <a:cxnSpLocks/>
             <a:stCxn id="5" idx="3"/>
             <a:endCxn id="12" idx="1"/>
           </p:cNvCxnSpPr>
@@ -7357,8 +7059,8 @@
         </p:nvCxnSpPr>
         <p:spPr>
           <a:xfrm flipV="1">
-            <a:off x="957118" y="1285654"/>
-            <a:ext cx="160437" cy="2853"/>
+            <a:off x="957118" y="1283047"/>
+            <a:ext cx="168057" cy="5460"/>
           </a:xfrm>
           <a:prstGeom prst="straightConnector1">
             <a:avLst/>
@@ -7392,6 +7094,7 @@
             </a:extLst>
           </p:cNvPr>
           <p:cNvCxnSpPr>
+            <a:cxnSpLocks/>
             <a:stCxn id="12" idx="3"/>
             <a:endCxn id="12" idx="0"/>
           </p:cNvCxnSpPr>
@@ -7399,13 +7102,13 @@
         </p:nvCxnSpPr>
         <p:spPr>
           <a:xfrm flipH="1" flipV="1">
-            <a:off x="1787900" y="993554"/>
-            <a:ext cx="670345" cy="292100"/>
+            <a:off x="1795520" y="928813"/>
+            <a:ext cx="670345" cy="354234"/>
           </a:xfrm>
           <a:prstGeom prst="bentConnector4">
             <a:avLst>
               <a:gd name="adj1" fmla="val -34102"/>
-              <a:gd name="adj2" fmla="val 178261"/>
+              <a:gd name="adj2" fmla="val 164534"/>
             </a:avLst>
           </a:prstGeom>
           <a:ln>
@@ -7606,7 +7309,7 @@
         <p:spPr>
           <a:xfrm>
             <a:off x="-10517" y="6416221"/>
-            <a:ext cx="7108036" cy="369332"/>
+            <a:ext cx="2031325" cy="369332"/>
           </a:xfrm>
           <a:prstGeom prst="rect">
             <a:avLst/>
@@ -7621,7 +7324,7 @@
           <a:p>
             <a:r>
               <a:rPr lang="zh-CN" altLang="en-US" dirty="0"/>
-              <a:t>待完成：初始注册、身份验证、文件变动检测、自动同步、掉线处理</a:t>
+              <a:t>待完成：掉线处理</a:t>
             </a:r>
           </a:p>
         </p:txBody>
@@ -7640,7 +7343,7 @@
         </p:nvSpPr>
         <p:spPr>
           <a:xfrm>
-            <a:off x="3878336" y="4419415"/>
+            <a:off x="3826482" y="3956453"/>
             <a:ext cx="1341736" cy="285750"/>
           </a:xfrm>
           <a:prstGeom prst="rect">
@@ -7673,7 +7376,7 @@
             <a:pPr algn="ctr"/>
             <a:r>
               <a:rPr lang="zh-CN" altLang="en-US" sz="1000" dirty="0"/>
-              <a:t>加密传输</a:t>
+              <a:t>传输加密</a:t>
             </a:r>
           </a:p>
         </p:txBody>
@@ -7833,7 +7536,7 @@
         </p:nvSpPr>
         <p:spPr>
           <a:xfrm>
-            <a:off x="6135572" y="5037853"/>
+            <a:off x="6120480" y="5030587"/>
             <a:ext cx="1653827" cy="243175"/>
           </a:xfrm>
           <a:prstGeom prst="roundRect">
@@ -7872,17 +7575,186 @@
             </a:r>
             <a:r>
               <a:rPr lang="zh-CN" altLang="en-US" sz="1000" dirty="0"/>
-              <a:t>文件发送线程</a:t>
-            </a:r>
-          </a:p>
-        </p:txBody>
-      </p:sp>
-      <p:sp>
-        <p:nvSpPr>
-          <p:cNvPr id="108" name="矩形: 圆角 107">
-            <a:extLst>
-              <a:ext uri="{FF2B5EF4-FFF2-40B4-BE49-F238E27FC236}">
-                <a16:creationId xmlns:a16="http://schemas.microsoft.com/office/drawing/2014/main" id="{9CD51FF2-037E-4EFE-84B8-2034A1FE8C7C}"/>
+              <a:t>文件传输线程</a:t>
+            </a:r>
+          </a:p>
+        </p:txBody>
+      </p:sp>
+      <p:cxnSp>
+        <p:nvCxnSpPr>
+          <p:cNvPr id="21" name="连接符: 肘形 20">
+            <a:extLst>
+              <a:ext uri="{FF2B5EF4-FFF2-40B4-BE49-F238E27FC236}">
+                <a16:creationId xmlns:a16="http://schemas.microsoft.com/office/drawing/2014/main" id="{7749AF8A-7BC5-4807-B585-FAECD2D0D81B}"/>
+              </a:ext>
+            </a:extLst>
+          </p:cNvPr>
+          <p:cNvCxnSpPr>
+            <a:stCxn id="96" idx="2"/>
+            <a:endCxn id="106" idx="3"/>
+          </p:cNvCxnSpPr>
+          <p:nvPr/>
+        </p:nvCxnSpPr>
+        <p:spPr>
+          <a:xfrm rot="5400000">
+            <a:off x="8113877" y="4744670"/>
+            <a:ext cx="67935" cy="747074"/>
+          </a:xfrm>
+          <a:prstGeom prst="bentConnector2">
+            <a:avLst/>
+          </a:prstGeom>
+          <a:ln>
+            <a:tailEnd type="triangle"/>
+          </a:ln>
+        </p:spPr>
+        <p:style>
+          <a:lnRef idx="1">
+            <a:schemeClr val="accent1"/>
+          </a:lnRef>
+          <a:fillRef idx="0">
+            <a:schemeClr val="accent1"/>
+          </a:fillRef>
+          <a:effectRef idx="0">
+            <a:schemeClr val="accent1"/>
+          </a:effectRef>
+          <a:fontRef idx="minor">
+            <a:schemeClr val="tx1"/>
+          </a:fontRef>
+        </p:style>
+      </p:cxnSp>
+      <p:cxnSp>
+        <p:nvCxnSpPr>
+          <p:cNvPr id="28" name="连接符: 肘形 27">
+            <a:extLst>
+              <a:ext uri="{FF2B5EF4-FFF2-40B4-BE49-F238E27FC236}">
+                <a16:creationId xmlns:a16="http://schemas.microsoft.com/office/drawing/2014/main" id="{23F5BCF7-25BF-4639-B9A8-204086010DB0}"/>
+              </a:ext>
+            </a:extLst>
+          </p:cNvPr>
+          <p:cNvCxnSpPr>
+            <a:stCxn id="188" idx="1"/>
+            <a:endCxn id="106" idx="0"/>
+          </p:cNvCxnSpPr>
+          <p:nvPr/>
+        </p:nvCxnSpPr>
+        <p:spPr>
+          <a:xfrm rot="10800000" flipV="1">
+            <a:off x="6947395" y="4317871"/>
+            <a:ext cx="707875" cy="712715"/>
+          </a:xfrm>
+          <a:prstGeom prst="bentConnector2">
+            <a:avLst/>
+          </a:prstGeom>
+          <a:ln>
+            <a:prstDash val="dash"/>
+          </a:ln>
+        </p:spPr>
+        <p:style>
+          <a:lnRef idx="1">
+            <a:schemeClr val="accent1"/>
+          </a:lnRef>
+          <a:fillRef idx="0">
+            <a:schemeClr val="accent1"/>
+          </a:fillRef>
+          <a:effectRef idx="0">
+            <a:schemeClr val="accent1"/>
+          </a:effectRef>
+          <a:fontRef idx="minor">
+            <a:schemeClr val="tx1"/>
+          </a:fontRef>
+        </p:style>
+      </p:cxnSp>
+      <p:cxnSp>
+        <p:nvCxnSpPr>
+          <p:cNvPr id="224" name="连接符: 肘形 223">
+            <a:extLst>
+              <a:ext uri="{FF2B5EF4-FFF2-40B4-BE49-F238E27FC236}">
+                <a16:creationId xmlns:a16="http://schemas.microsoft.com/office/drawing/2014/main" id="{AA4099D0-D4D0-46DF-84A0-DC33A9229F4B}"/>
+              </a:ext>
+            </a:extLst>
+          </p:cNvPr>
+          <p:cNvCxnSpPr>
+            <a:stCxn id="106" idx="1"/>
+            <a:endCxn id="131" idx="3"/>
+          </p:cNvCxnSpPr>
+          <p:nvPr/>
+        </p:nvCxnSpPr>
+        <p:spPr>
+          <a:xfrm rot="10800000" flipV="1">
+            <a:off x="4875802" y="5152174"/>
+            <a:ext cx="1244679" cy="618783"/>
+          </a:xfrm>
+          <a:prstGeom prst="bentConnector3">
+            <a:avLst/>
+          </a:prstGeom>
+          <a:ln>
+            <a:tailEnd type="triangle"/>
+          </a:ln>
+        </p:spPr>
+        <p:style>
+          <a:lnRef idx="1">
+            <a:schemeClr val="accent1"/>
+          </a:lnRef>
+          <a:fillRef idx="0">
+            <a:schemeClr val="accent1"/>
+          </a:fillRef>
+          <a:effectRef idx="0">
+            <a:schemeClr val="accent1"/>
+          </a:effectRef>
+          <a:fontRef idx="minor">
+            <a:schemeClr val="tx1"/>
+          </a:fontRef>
+        </p:style>
+      </p:cxnSp>
+      <p:cxnSp>
+        <p:nvCxnSpPr>
+          <p:cNvPr id="242" name="连接符: 肘形 241">
+            <a:extLst>
+              <a:ext uri="{FF2B5EF4-FFF2-40B4-BE49-F238E27FC236}">
+                <a16:creationId xmlns:a16="http://schemas.microsoft.com/office/drawing/2014/main" id="{525E7911-D902-4E56-9D9A-D13C70C74706}"/>
+              </a:ext>
+            </a:extLst>
+          </p:cNvPr>
+          <p:cNvCxnSpPr>
+            <a:cxnSpLocks/>
+            <a:stCxn id="60" idx="2"/>
+            <a:endCxn id="252" idx="3"/>
+          </p:cNvCxnSpPr>
+          <p:nvPr/>
+        </p:nvCxnSpPr>
+        <p:spPr>
+          <a:xfrm rot="5400000">
+            <a:off x="7356606" y="1685408"/>
+            <a:ext cx="4613922" cy="3824837"/>
+          </a:xfrm>
+          <a:prstGeom prst="bentConnector2">
+            <a:avLst/>
+          </a:prstGeom>
+          <a:ln>
+            <a:tailEnd type="triangle"/>
+          </a:ln>
+        </p:spPr>
+        <p:style>
+          <a:lnRef idx="1">
+            <a:schemeClr val="accent1"/>
+          </a:lnRef>
+          <a:fillRef idx="0">
+            <a:schemeClr val="accent1"/>
+          </a:fillRef>
+          <a:effectRef idx="0">
+            <a:schemeClr val="accent1"/>
+          </a:effectRef>
+          <a:fontRef idx="minor">
+            <a:schemeClr val="tx1"/>
+          </a:fontRef>
+        </p:style>
+      </p:cxnSp>
+      <p:sp>
+        <p:nvSpPr>
+          <p:cNvPr id="139" name="矩形: 圆角 138">
+            <a:extLst>
+              <a:ext uri="{FF2B5EF4-FFF2-40B4-BE49-F238E27FC236}">
+                <a16:creationId xmlns:a16="http://schemas.microsoft.com/office/drawing/2014/main" id="{6D049E75-7B1C-43D3-A22A-F404E2CAA698}"/>
               </a:ext>
             </a:extLst>
           </p:cNvPr>
@@ -7891,8 +7763,8 @@
         </p:nvSpPr>
         <p:spPr>
           <a:xfrm>
-            <a:off x="6146076" y="5401279"/>
-            <a:ext cx="1653827" cy="243175"/>
+            <a:off x="3525589" y="4783799"/>
+            <a:ext cx="885847" cy="285750"/>
           </a:xfrm>
           <a:prstGeom prst="roundRect">
             <a:avLst/>
@@ -7925,37 +7797,87 @@
           <a:p>
             <a:pPr algn="ctr"/>
             <a:r>
-              <a:rPr lang="en-US" altLang="zh-CN" sz="1000" dirty="0"/>
-              <a:t>Thread1.2: </a:t>
-            </a:r>
-            <a:r>
               <a:rPr lang="zh-CN" altLang="en-US" sz="1000" dirty="0"/>
-              <a:t>文件接收线程</a:t>
+              <a:t>向服务端发送单个文件</a:t>
+            </a:r>
+          </a:p>
+        </p:txBody>
+      </p:sp>
+      <p:sp>
+        <p:nvSpPr>
+          <p:cNvPr id="140" name="矩形: 圆角 139">
+            <a:extLst>
+              <a:ext uri="{FF2B5EF4-FFF2-40B4-BE49-F238E27FC236}">
+                <a16:creationId xmlns:a16="http://schemas.microsoft.com/office/drawing/2014/main" id="{99B291BE-D2B9-46D1-8800-AF77E9310554}"/>
+              </a:ext>
+            </a:extLst>
+          </p:cNvPr>
+          <p:cNvSpPr/>
+          <p:nvPr/>
+        </p:nvSpPr>
+        <p:spPr>
+          <a:xfrm>
+            <a:off x="4506350" y="4785975"/>
+            <a:ext cx="1013426" cy="285748"/>
+          </a:xfrm>
+          <a:prstGeom prst="roundRect">
+            <a:avLst/>
+          </a:prstGeom>
+          <a:solidFill>
+            <a:schemeClr val="accent6">
+              <a:lumMod val="75000"/>
+            </a:schemeClr>
+          </a:solidFill>
+        </p:spPr>
+        <p:style>
+          <a:lnRef idx="2">
+            <a:schemeClr val="accent1">
+              <a:shade val="50000"/>
+            </a:schemeClr>
+          </a:lnRef>
+          <a:fillRef idx="1">
+            <a:schemeClr val="accent1"/>
+          </a:fillRef>
+          <a:effectRef idx="0">
+            <a:schemeClr val="accent1"/>
+          </a:effectRef>
+          <a:fontRef idx="minor">
+            <a:schemeClr val="lt1"/>
+          </a:fontRef>
+        </p:style>
+        <p:txBody>
+          <a:bodyPr rtlCol="0" anchor="ctr"/>
+          <a:lstStyle/>
+          <a:p>
+            <a:pPr algn="ctr"/>
+            <a:r>
+              <a:rPr lang="zh-CN" altLang="en-US" sz="1000" dirty="0"/>
+              <a:t>向服务端同步整个文件夹</a:t>
             </a:r>
           </a:p>
         </p:txBody>
       </p:sp>
       <p:cxnSp>
         <p:nvCxnSpPr>
-          <p:cNvPr id="21" name="连接符: 肘形 20">
-            <a:extLst>
-              <a:ext uri="{FF2B5EF4-FFF2-40B4-BE49-F238E27FC236}">
-                <a16:creationId xmlns:a16="http://schemas.microsoft.com/office/drawing/2014/main" id="{7749AF8A-7BC5-4807-B585-FAECD2D0D81B}"/>
+          <p:cNvPr id="51" name="连接符: 肘形 50">
+            <a:extLst>
+              <a:ext uri="{FF2B5EF4-FFF2-40B4-BE49-F238E27FC236}">
+                <a16:creationId xmlns:a16="http://schemas.microsoft.com/office/drawing/2014/main" id="{FDBCC154-00F5-4788-9318-DFF4882302EC}"/>
               </a:ext>
             </a:extLst>
           </p:cNvPr>
           <p:cNvCxnSpPr>
-            <a:stCxn id="96" idx="2"/>
-            <a:endCxn id="106" idx="3"/>
+            <a:stCxn id="131" idx="0"/>
+            <a:endCxn id="140" idx="2"/>
           </p:cNvCxnSpPr>
           <p:nvPr/>
         </p:nvCxnSpPr>
         <p:spPr>
-          <a:xfrm rot="5400000">
-            <a:off x="8117790" y="4755849"/>
-            <a:ext cx="75201" cy="731982"/>
-          </a:xfrm>
-          <a:prstGeom prst="bentConnector2">
+          <a:xfrm rot="5400000" flipH="1" flipV="1">
+            <a:off x="4483479" y="5098500"/>
+            <a:ext cx="556360" cy="502807"/>
+          </a:xfrm>
+          <a:prstGeom prst="bentConnector3">
             <a:avLst/>
           </a:prstGeom>
           <a:ln>
@@ -7979,25 +7901,25 @@
       </p:cxnSp>
       <p:cxnSp>
         <p:nvCxnSpPr>
-          <p:cNvPr id="24" name="连接符: 肘形 23">
-            <a:extLst>
-              <a:ext uri="{FF2B5EF4-FFF2-40B4-BE49-F238E27FC236}">
-                <a16:creationId xmlns:a16="http://schemas.microsoft.com/office/drawing/2014/main" id="{377AAA20-6815-45B4-BFA3-48199DE46490}"/>
+          <p:cNvPr id="55" name="连接符: 肘形 54">
+            <a:extLst>
+              <a:ext uri="{FF2B5EF4-FFF2-40B4-BE49-F238E27FC236}">
+                <a16:creationId xmlns:a16="http://schemas.microsoft.com/office/drawing/2014/main" id="{EC385AB2-235B-483A-831C-F7846D4BABF7}"/>
               </a:ext>
             </a:extLst>
           </p:cNvPr>
           <p:cNvCxnSpPr>
-            <a:stCxn id="96" idx="2"/>
-            <a:endCxn id="108" idx="3"/>
+            <a:stCxn id="131" idx="0"/>
+            <a:endCxn id="139" idx="2"/>
           </p:cNvCxnSpPr>
           <p:nvPr/>
         </p:nvCxnSpPr>
         <p:spPr>
-          <a:xfrm rot="5400000">
-            <a:off x="7941329" y="4942814"/>
-            <a:ext cx="438627" cy="721478"/>
-          </a:xfrm>
-          <a:prstGeom prst="bentConnector2">
+          <a:xfrm rot="16200000" flipV="1">
+            <a:off x="3960118" y="5077944"/>
+            <a:ext cx="558534" cy="541743"/>
+          </a:xfrm>
+          <a:prstGeom prst="bentConnector3">
             <a:avLst/>
           </a:prstGeom>
           <a:ln>
@@ -8019,167 +7941,6 @@
           </a:fontRef>
         </p:style>
       </p:cxnSp>
-      <p:cxnSp>
-        <p:nvCxnSpPr>
-          <p:cNvPr id="28" name="连接符: 肘形 27">
-            <a:extLst>
-              <a:ext uri="{FF2B5EF4-FFF2-40B4-BE49-F238E27FC236}">
-                <a16:creationId xmlns:a16="http://schemas.microsoft.com/office/drawing/2014/main" id="{23F5BCF7-25BF-4639-B9A8-204086010DB0}"/>
-              </a:ext>
-            </a:extLst>
-          </p:cNvPr>
-          <p:cNvCxnSpPr>
-            <a:stCxn id="188" idx="1"/>
-            <a:endCxn id="106" idx="0"/>
-          </p:cNvCxnSpPr>
-          <p:nvPr/>
-        </p:nvCxnSpPr>
-        <p:spPr>
-          <a:xfrm rot="10800000" flipV="1">
-            <a:off x="6962487" y="4317871"/>
-            <a:ext cx="692783" cy="719981"/>
-          </a:xfrm>
-          <a:prstGeom prst="bentConnector2">
-            <a:avLst/>
-          </a:prstGeom>
-          <a:ln>
-            <a:prstDash val="dash"/>
-          </a:ln>
-        </p:spPr>
-        <p:style>
-          <a:lnRef idx="1">
-            <a:schemeClr val="accent1"/>
-          </a:lnRef>
-          <a:fillRef idx="0">
-            <a:schemeClr val="accent1"/>
-          </a:fillRef>
-          <a:effectRef idx="0">
-            <a:schemeClr val="accent1"/>
-          </a:effectRef>
-          <a:fontRef idx="minor">
-            <a:schemeClr val="tx1"/>
-          </a:fontRef>
-        </p:style>
-      </p:cxnSp>
-      <p:cxnSp>
-        <p:nvCxnSpPr>
-          <p:cNvPr id="224" name="连接符: 肘形 223">
-            <a:extLst>
-              <a:ext uri="{FF2B5EF4-FFF2-40B4-BE49-F238E27FC236}">
-                <a16:creationId xmlns:a16="http://schemas.microsoft.com/office/drawing/2014/main" id="{AA4099D0-D4D0-46DF-84A0-DC33A9229F4B}"/>
-              </a:ext>
-            </a:extLst>
-          </p:cNvPr>
-          <p:cNvCxnSpPr>
-            <a:stCxn id="106" idx="1"/>
-            <a:endCxn id="131" idx="3"/>
-          </p:cNvCxnSpPr>
-          <p:nvPr/>
-        </p:nvCxnSpPr>
-        <p:spPr>
-          <a:xfrm rot="10800000" flipV="1">
-            <a:off x="5446304" y="5159440"/>
-            <a:ext cx="689269" cy="561551"/>
-          </a:xfrm>
-          <a:prstGeom prst="bentConnector3">
-            <a:avLst/>
-          </a:prstGeom>
-          <a:ln>
-            <a:tailEnd type="triangle"/>
-          </a:ln>
-        </p:spPr>
-        <p:style>
-          <a:lnRef idx="1">
-            <a:schemeClr val="accent1"/>
-          </a:lnRef>
-          <a:fillRef idx="0">
-            <a:schemeClr val="accent1"/>
-          </a:fillRef>
-          <a:effectRef idx="0">
-            <a:schemeClr val="accent1"/>
-          </a:effectRef>
-          <a:fontRef idx="minor">
-            <a:schemeClr val="tx1"/>
-          </a:fontRef>
-        </p:style>
-      </p:cxnSp>
-      <p:cxnSp>
-        <p:nvCxnSpPr>
-          <p:cNvPr id="232" name="连接符: 肘形 231">
-            <a:extLst>
-              <a:ext uri="{FF2B5EF4-FFF2-40B4-BE49-F238E27FC236}">
-                <a16:creationId xmlns:a16="http://schemas.microsoft.com/office/drawing/2014/main" id="{70C228F0-D3E9-42AA-9A68-47B0704DAD54}"/>
-              </a:ext>
-            </a:extLst>
-          </p:cNvPr>
-          <p:cNvCxnSpPr>
-            <a:stCxn id="108" idx="1"/>
-            <a:endCxn id="131" idx="3"/>
-          </p:cNvCxnSpPr>
-          <p:nvPr/>
-        </p:nvCxnSpPr>
-        <p:spPr>
-          <a:xfrm rot="10800000" flipV="1">
-            <a:off x="5446304" y="5522866"/>
-            <a:ext cx="699773" cy="198125"/>
-          </a:xfrm>
-          <a:prstGeom prst="bentConnector3">
-            <a:avLst/>
-          </a:prstGeom>
-          <a:ln>
-            <a:tailEnd type="triangle"/>
-          </a:ln>
-        </p:spPr>
-        <p:style>
-          <a:lnRef idx="1">
-            <a:schemeClr val="accent1"/>
-          </a:lnRef>
-          <a:fillRef idx="0">
-            <a:schemeClr val="accent1"/>
-          </a:fillRef>
-          <a:effectRef idx="0">
-            <a:schemeClr val="accent1"/>
-          </a:effectRef>
-          <a:fontRef idx="minor">
-            <a:schemeClr val="tx1"/>
-          </a:fontRef>
-        </p:style>
-      </p:cxnSp>
-      <p:sp>
-        <p:nvSpPr>
-          <p:cNvPr id="122" name="文本框 121">
-            <a:extLst>
-              <a:ext uri="{FF2B5EF4-FFF2-40B4-BE49-F238E27FC236}">
-                <a16:creationId xmlns:a16="http://schemas.microsoft.com/office/drawing/2014/main" id="{F8E2138E-57DE-4770-95A9-E761447565BB}"/>
-              </a:ext>
-            </a:extLst>
-          </p:cNvPr>
-          <p:cNvSpPr txBox="1"/>
-          <p:nvPr/>
-        </p:nvSpPr>
-        <p:spPr>
-          <a:xfrm>
-            <a:off x="7514293" y="6411494"/>
-            <a:ext cx="2587568" cy="369332"/>
-          </a:xfrm>
-          <a:prstGeom prst="rect">
-            <a:avLst/>
-          </a:prstGeom>
-          <a:noFill/>
-        </p:spPr>
-        <p:txBody>
-          <a:bodyPr wrap="none" rtlCol="0">
-            <a:spAutoFit/>
-          </a:bodyPr>
-          <a:lstStyle/>
-          <a:p>
-            <a:r>
-              <a:rPr lang="zh-CN" altLang="en-US" dirty="0"/>
-              <a:t>难点：树状文件夹结构</a:t>
-            </a:r>
-          </a:p>
-        </p:txBody>
-      </p:sp>
     </p:spTree>
     <p:extLst>
       <p:ext uri="{BB962C8B-B14F-4D97-AF65-F5344CB8AC3E}">
